--- a/tech/Системы сборки.pptx
+++ b/tech/Системы сборки.pptx
@@ -45,6 +45,7 @@
     <p:sldId id="294" r:id="rId39"/>
     <p:sldId id="295" r:id="rId40"/>
     <p:sldId id="296" r:id="rId41"/>
+    <p:sldId id="297" r:id="rId42"/>
   </p:sldIdLst>
   <p:sldSz cx="12192000" cy="6858000"/>
   <p:notesSz cx="6858000" cy="9144000"/>
@@ -11794,6 +11795,132 @@
 </p:sld>
 </file>
 
+<file path=ppt/slides/slide41.xml><?xml version="1.0" encoding="utf-8"?>
+<p:sld xmlns:a="http://schemas.openxmlformats.org/drawingml/2006/main" xmlns:r="http://schemas.openxmlformats.org/officeDocument/2006/relationships" xmlns:p="http://schemas.openxmlformats.org/presentationml/2006/main">
+  <p:cSld>
+    <p:spTree>
+      <p:nvGrpSpPr>
+        <p:cNvPr id="1" name=""/>
+        <p:cNvGrpSpPr/>
+        <p:nvPr/>
+      </p:nvGrpSpPr>
+      <p:grpSpPr>
+        <a:xfrm>
+          <a:off x="0" y="0"/>
+          <a:ext cx="0" cy="0"/>
+          <a:chOff x="0" y="0"/>
+          <a:chExt cx="0" cy="0"/>
+        </a:xfrm>
+      </p:grpSpPr>
+      <p:sp>
+        <p:nvSpPr>
+          <p:cNvPr id="2" name="Title 1">
+            <a:extLst>
+              <a:ext uri="{FF2B5EF4-FFF2-40B4-BE49-F238E27FC236}">
+                <a16:creationId xmlns:a16="http://schemas.microsoft.com/office/drawing/2014/main" id="{03B4D63F-9715-4A1C-ADD2-572E01409FA7}"/>
+              </a:ext>
+            </a:extLst>
+          </p:cNvPr>
+          <p:cNvSpPr>
+            <a:spLocks noGrp="1"/>
+          </p:cNvSpPr>
+          <p:nvPr>
+            <p:ph type="title"/>
+          </p:nvPr>
+        </p:nvSpPr>
+        <p:spPr/>
+        <p:txBody>
+          <a:bodyPr/>
+          <a:lstStyle/>
+          <a:p>
+            <a:r>
+              <a:rPr lang="en-US" dirty="0"/>
+              <a:t>See also</a:t>
+            </a:r>
+          </a:p>
+        </p:txBody>
+      </p:sp>
+      <p:sp>
+        <p:nvSpPr>
+          <p:cNvPr id="3" name="Content Placeholder 2">
+            <a:extLst>
+              <a:ext uri="{FF2B5EF4-FFF2-40B4-BE49-F238E27FC236}">
+                <a16:creationId xmlns:a16="http://schemas.microsoft.com/office/drawing/2014/main" id="{2911AEB6-84A5-47E4-811B-0C25D0CA5441}"/>
+              </a:ext>
+            </a:extLst>
+          </p:cNvPr>
+          <p:cNvSpPr>
+            <a:spLocks noGrp="1"/>
+          </p:cNvSpPr>
+          <p:nvPr>
+            <p:ph idx="1"/>
+          </p:nvPr>
+        </p:nvSpPr>
+        <p:spPr/>
+        <p:txBody>
+          <a:bodyPr/>
+          <a:lstStyle/>
+          <a:p>
+            <a:pPr marL="0" indent="0">
+              <a:buNone/>
+            </a:pPr>
+            <a:r>
+              <a:rPr lang="ru-RU" dirty="0"/>
+              <a:t>Доклад Евгения Борисова – </a:t>
+            </a:r>
+            <a:r>
+              <a:rPr lang="en-US" dirty="0"/>
+              <a:t>Power of Gradle</a:t>
+            </a:r>
+            <a:r>
+              <a:rPr lang="ru-RU" dirty="0"/>
+              <a:t> (2013-ый год </a:t>
+            </a:r>
+            <a:r>
+              <a:rPr lang="en-US" dirty="0">
+                <a:sym typeface="Wingdings" panose="05000000000000000000" pitchFamily="2" charset="2"/>
+              </a:rPr>
+              <a:t></a:t>
+            </a:r>
+            <a:r>
+              <a:rPr lang="ru-RU" dirty="0"/>
+              <a:t>)</a:t>
+            </a:r>
+            <a:endParaRPr lang="en-US" dirty="0"/>
+          </a:p>
+          <a:p>
+            <a:pPr marL="0" indent="0">
+              <a:buNone/>
+            </a:pPr>
+            <a:r>
+              <a:rPr lang="en-US" dirty="0">
+                <a:hlinkClick r:id="rId2"/>
+              </a:rPr>
+              <a:t>https://github.com/mihailaleksseev/conferenceAbstracts/blob/main/%2B%2B%202013%20Gradle%20%7C%20%D0%95%D0%B2%D0%B3%D0%B5%D0%BD%D0%B8%D0%B8%CC%86%20%D0%91%D0%BE%D1%80%D0%B8%D1%81%D0%BE%D0%B2%20%E2%80%94%20Power%20of%20Gradle.pdf</a:t>
+            </a:r>
+            <a:endParaRPr lang="en-US" dirty="0"/>
+          </a:p>
+          <a:p>
+            <a:pPr marL="0" indent="0">
+              <a:buNone/>
+            </a:pPr>
+            <a:endParaRPr lang="en-US" dirty="0"/>
+          </a:p>
+        </p:txBody>
+      </p:sp>
+    </p:spTree>
+    <p:extLst>
+      <p:ext uri="{BB962C8B-B14F-4D97-AF65-F5344CB8AC3E}">
+        <p14:creationId xmlns:p14="http://schemas.microsoft.com/office/powerpoint/2010/main" val="697514183"/>
+      </p:ext>
+    </p:extLst>
+  </p:cSld>
+  <p:clrMapOvr>
+    <a:masterClrMapping/>
+  </p:clrMapOvr>
+</p:sld>
+</file>
+
 <file path=ppt/slides/slide5.xml><?xml version="1.0" encoding="utf-8"?>
 <p:sld xmlns:a="http://schemas.openxmlformats.org/drawingml/2006/main" xmlns:r="http://schemas.openxmlformats.org/officeDocument/2006/relationships" xmlns:p="http://schemas.openxmlformats.org/presentationml/2006/main">
   <p:cSld>
